--- a/week2/les2/OpenClosed Principle.pptx
+++ b/week2/les2/OpenClosed Principle.pptx
@@ -142,8 +142,283 @@
 </p:presentation>
 </file>
 
+<file path=ppt/revisionInfo.xml><?xml version="1.0" encoding="utf-8"?>
+<p1510:revInfo xmlns:a="http://schemas.openxmlformats.org/drawingml/2006/main" xmlns:r="http://schemas.openxmlformats.org/officeDocument/2006/relationships" xmlns:p1510="http://schemas.microsoft.com/office/powerpoint/2015/10/main">
+  <p1510:revLst>
+    <p1510:client id="{70F19E90-AFA3-4ACE-A086-16C25165F7E0}" v="22" dt="2025-03-25T13:30:32.699"/>
+  </p1510:revLst>
+</p1510:revInfo>
+</file>
+
 <file path=ppt/changesInfos/changesInfo1.xml><?xml version="1.0" encoding="utf-8"?>
 <pc:chgInfo xmlns:a="http://schemas.openxmlformats.org/drawingml/2006/main" xmlns:r="http://schemas.openxmlformats.org/officeDocument/2006/relationships" xmlns:ac="http://schemas.microsoft.com/office/drawing/2013/main/command" xmlns:pc="http://schemas.microsoft.com/office/powerpoint/2013/main/command">
+  <pc:docChgLst>
+    <pc:chgData name="brian vriezen" userId="b003f3c94a8dc614" providerId="LiveId" clId="{70F19E90-AFA3-4ACE-A086-16C25165F7E0}"/>
+    <pc:docChg chg="undo custSel modSld">
+      <pc:chgData name="brian vriezen" userId="b003f3c94a8dc614" providerId="LiveId" clId="{70F19E90-AFA3-4ACE-A086-16C25165F7E0}" dt="2025-03-25T13:32:31.444" v="140" actId="20577"/>
+      <pc:docMkLst>
+        <pc:docMk/>
+      </pc:docMkLst>
+      <pc:sldChg chg="modSp mod">
+        <pc:chgData name="brian vriezen" userId="b003f3c94a8dc614" providerId="LiveId" clId="{70F19E90-AFA3-4ACE-A086-16C25165F7E0}" dt="2025-03-25T13:24:47.277" v="97" actId="790"/>
+        <pc:sldMkLst>
+          <pc:docMk/>
+          <pc:sldMk cId="0" sldId="256"/>
+        </pc:sldMkLst>
+        <pc:spChg chg="mod">
+          <ac:chgData name="brian vriezen" userId="b003f3c94a8dc614" providerId="LiveId" clId="{70F19E90-AFA3-4ACE-A086-16C25165F7E0}" dt="2025-03-25T13:24:47.277" v="97" actId="790"/>
+          <ac:spMkLst>
+            <pc:docMk/>
+            <pc:sldMk cId="0" sldId="256"/>
+            <ac:spMk id="3" creationId="{00000000-0000-0000-0000-000000000000}"/>
+          </ac:spMkLst>
+        </pc:spChg>
+        <pc:spChg chg="mod">
+          <ac:chgData name="brian vriezen" userId="b003f3c94a8dc614" providerId="LiveId" clId="{70F19E90-AFA3-4ACE-A086-16C25165F7E0}" dt="2025-03-25T13:24:47.277" v="97" actId="790"/>
+          <ac:spMkLst>
+            <pc:docMk/>
+            <pc:sldMk cId="0" sldId="256"/>
+            <ac:spMk id="4" creationId="{00000000-0000-0000-0000-000000000000}"/>
+          </ac:spMkLst>
+        </pc:spChg>
+        <pc:spChg chg="mod">
+          <ac:chgData name="brian vriezen" userId="b003f3c94a8dc614" providerId="LiveId" clId="{70F19E90-AFA3-4ACE-A086-16C25165F7E0}" dt="2025-03-25T13:24:47.277" v="97" actId="790"/>
+          <ac:spMkLst>
+            <pc:docMk/>
+            <pc:sldMk cId="0" sldId="256"/>
+            <ac:spMk id="7" creationId="{00000000-0000-0000-0000-000000000000}"/>
+          </ac:spMkLst>
+        </pc:spChg>
+        <pc:spChg chg="mod">
+          <ac:chgData name="brian vriezen" userId="b003f3c94a8dc614" providerId="LiveId" clId="{70F19E90-AFA3-4ACE-A086-16C25165F7E0}" dt="2025-03-25T13:24:47.277" v="97" actId="790"/>
+          <ac:spMkLst>
+            <pc:docMk/>
+            <pc:sldMk cId="0" sldId="256"/>
+            <ac:spMk id="8" creationId="{00000000-0000-0000-0000-000000000000}"/>
+          </ac:spMkLst>
+        </pc:spChg>
+        <pc:spChg chg="mod">
+          <ac:chgData name="brian vriezen" userId="b003f3c94a8dc614" providerId="LiveId" clId="{70F19E90-AFA3-4ACE-A086-16C25165F7E0}" dt="2025-03-25T13:24:47.277" v="97" actId="790"/>
+          <ac:spMkLst>
+            <pc:docMk/>
+            <pc:sldMk cId="0" sldId="256"/>
+            <ac:spMk id="9" creationId="{00000000-0000-0000-0000-000000000000}"/>
+          </ac:spMkLst>
+        </pc:spChg>
+        <pc:spChg chg="mod">
+          <ac:chgData name="brian vriezen" userId="b003f3c94a8dc614" providerId="LiveId" clId="{70F19E90-AFA3-4ACE-A086-16C25165F7E0}" dt="2025-03-25T13:24:47.277" v="97" actId="790"/>
+          <ac:spMkLst>
+            <pc:docMk/>
+            <pc:sldMk cId="0" sldId="256"/>
+            <ac:spMk id="11" creationId="{00000000-0000-0000-0000-000000000000}"/>
+          </ac:spMkLst>
+        </pc:spChg>
+        <pc:spChg chg="mod">
+          <ac:chgData name="brian vriezen" userId="b003f3c94a8dc614" providerId="LiveId" clId="{70F19E90-AFA3-4ACE-A086-16C25165F7E0}" dt="2025-03-25T13:24:47.277" v="97" actId="790"/>
+          <ac:spMkLst>
+            <pc:docMk/>
+            <pc:sldMk cId="0" sldId="256"/>
+            <ac:spMk id="12" creationId="{00000000-0000-0000-0000-000000000000}"/>
+          </ac:spMkLst>
+        </pc:spChg>
+        <pc:spChg chg="mod">
+          <ac:chgData name="brian vriezen" userId="b003f3c94a8dc614" providerId="LiveId" clId="{70F19E90-AFA3-4ACE-A086-16C25165F7E0}" dt="2025-03-25T13:24:47.277" v="97" actId="790"/>
+          <ac:spMkLst>
+            <pc:docMk/>
+            <pc:sldMk cId="0" sldId="256"/>
+            <ac:spMk id="13" creationId="{00000000-0000-0000-0000-000000000000}"/>
+          </ac:spMkLst>
+        </pc:spChg>
+        <pc:spChg chg="mod">
+          <ac:chgData name="brian vriezen" userId="b003f3c94a8dc614" providerId="LiveId" clId="{70F19E90-AFA3-4ACE-A086-16C25165F7E0}" dt="2025-03-25T13:24:47.277" v="97" actId="790"/>
+          <ac:spMkLst>
+            <pc:docMk/>
+            <pc:sldMk cId="0" sldId="256"/>
+            <ac:spMk id="16" creationId="{00000000-0000-0000-0000-000000000000}"/>
+          </ac:spMkLst>
+        </pc:spChg>
+        <pc:spChg chg="mod">
+          <ac:chgData name="brian vriezen" userId="b003f3c94a8dc614" providerId="LiveId" clId="{70F19E90-AFA3-4ACE-A086-16C25165F7E0}" dt="2025-03-25T13:24:47.277" v="97" actId="790"/>
+          <ac:spMkLst>
+            <pc:docMk/>
+            <pc:sldMk cId="0" sldId="256"/>
+            <ac:spMk id="17" creationId="{00000000-0000-0000-0000-000000000000}"/>
+          </ac:spMkLst>
+        </pc:spChg>
+      </pc:sldChg>
+      <pc:sldChg chg="modSp mod">
+        <pc:chgData name="brian vriezen" userId="b003f3c94a8dc614" providerId="LiveId" clId="{70F19E90-AFA3-4ACE-A086-16C25165F7E0}" dt="2025-03-25T13:24:47.277" v="97" actId="790"/>
+        <pc:sldMkLst>
+          <pc:docMk/>
+          <pc:sldMk cId="0" sldId="257"/>
+        </pc:sldMkLst>
+        <pc:spChg chg="mod">
+          <ac:chgData name="brian vriezen" userId="b003f3c94a8dc614" providerId="LiveId" clId="{70F19E90-AFA3-4ACE-A086-16C25165F7E0}" dt="2025-03-25T13:24:47.277" v="97" actId="790"/>
+          <ac:spMkLst>
+            <pc:docMk/>
+            <pc:sldMk cId="0" sldId="257"/>
+            <ac:spMk id="2" creationId="{00000000-0000-0000-0000-000000000000}"/>
+          </ac:spMkLst>
+        </pc:spChg>
+        <pc:spChg chg="mod">
+          <ac:chgData name="brian vriezen" userId="b003f3c94a8dc614" providerId="LiveId" clId="{70F19E90-AFA3-4ACE-A086-16C25165F7E0}" dt="2025-03-25T13:24:47.277" v="97" actId="790"/>
+          <ac:spMkLst>
+            <pc:docMk/>
+            <pc:sldMk cId="0" sldId="257"/>
+            <ac:spMk id="3" creationId="{00000000-0000-0000-0000-000000000000}"/>
+          </ac:spMkLst>
+        </pc:spChg>
+        <pc:spChg chg="mod">
+          <ac:chgData name="brian vriezen" userId="b003f3c94a8dc614" providerId="LiveId" clId="{70F19E90-AFA3-4ACE-A086-16C25165F7E0}" dt="2025-03-25T13:24:47.277" v="97" actId="790"/>
+          <ac:spMkLst>
+            <pc:docMk/>
+            <pc:sldMk cId="0" sldId="257"/>
+            <ac:spMk id="4" creationId="{00000000-0000-0000-0000-000000000000}"/>
+          </ac:spMkLst>
+        </pc:spChg>
+      </pc:sldChg>
+      <pc:sldChg chg="modSp mod">
+        <pc:chgData name="brian vriezen" userId="b003f3c94a8dc614" providerId="LiveId" clId="{70F19E90-AFA3-4ACE-A086-16C25165F7E0}" dt="2025-03-25T13:32:31.444" v="140" actId="20577"/>
+        <pc:sldMkLst>
+          <pc:docMk/>
+          <pc:sldMk cId="0" sldId="258"/>
+        </pc:sldMkLst>
+        <pc:spChg chg="mod">
+          <ac:chgData name="brian vriezen" userId="b003f3c94a8dc614" providerId="LiveId" clId="{70F19E90-AFA3-4ACE-A086-16C25165F7E0}" dt="2025-03-25T13:24:47.277" v="97" actId="790"/>
+          <ac:spMkLst>
+            <pc:docMk/>
+            <pc:sldMk cId="0" sldId="258"/>
+            <ac:spMk id="2" creationId="{00000000-0000-0000-0000-000000000000}"/>
+          </ac:spMkLst>
+        </pc:spChg>
+        <pc:spChg chg="mod">
+          <ac:chgData name="brian vriezen" userId="b003f3c94a8dc614" providerId="LiveId" clId="{70F19E90-AFA3-4ACE-A086-16C25165F7E0}" dt="2025-03-25T13:32:31.444" v="140" actId="20577"/>
+          <ac:spMkLst>
+            <pc:docMk/>
+            <pc:sldMk cId="0" sldId="258"/>
+            <ac:spMk id="3" creationId="{00000000-0000-0000-0000-000000000000}"/>
+          </ac:spMkLst>
+        </pc:spChg>
+      </pc:sldChg>
+      <pc:sldChg chg="addSp delSp modSp mod modAnim">
+        <pc:chgData name="brian vriezen" userId="b003f3c94a8dc614" providerId="LiveId" clId="{70F19E90-AFA3-4ACE-A086-16C25165F7E0}" dt="2025-03-25T13:30:32.699" v="138"/>
+        <pc:sldMkLst>
+          <pc:docMk/>
+          <pc:sldMk cId="0" sldId="259"/>
+        </pc:sldMkLst>
+        <pc:spChg chg="mod">
+          <ac:chgData name="brian vriezen" userId="b003f3c94a8dc614" providerId="LiveId" clId="{70F19E90-AFA3-4ACE-A086-16C25165F7E0}" dt="2025-03-25T13:24:47.277" v="97" actId="790"/>
+          <ac:spMkLst>
+            <pc:docMk/>
+            <pc:sldMk cId="0" sldId="259"/>
+            <ac:spMk id="2" creationId="{00000000-0000-0000-0000-000000000000}"/>
+          </ac:spMkLst>
+        </pc:spChg>
+        <pc:spChg chg="add del">
+          <ac:chgData name="brian vriezen" userId="b003f3c94a8dc614" providerId="LiveId" clId="{70F19E90-AFA3-4ACE-A086-16C25165F7E0}" dt="2025-03-25T13:27:14.039" v="101" actId="22"/>
+          <ac:spMkLst>
+            <pc:docMk/>
+            <pc:sldMk cId="0" sldId="259"/>
+            <ac:spMk id="5" creationId="{2B37958E-2A34-F8D7-6379-A4F98B0FAFA7}"/>
+          </ac:spMkLst>
+        </pc:spChg>
+        <pc:spChg chg="add mod">
+          <ac:chgData name="brian vriezen" userId="b003f3c94a8dc614" providerId="LiveId" clId="{70F19E90-AFA3-4ACE-A086-16C25165F7E0}" dt="2025-03-25T13:27:25.239" v="107" actId="20577"/>
+          <ac:spMkLst>
+            <pc:docMk/>
+            <pc:sldMk cId="0" sldId="259"/>
+            <ac:spMk id="6" creationId="{A8E4DFD4-CD22-55F5-6859-02529220700E}"/>
+          </ac:spMkLst>
+        </pc:spChg>
+        <pc:spChg chg="add mod">
+          <ac:chgData name="brian vriezen" userId="b003f3c94a8dc614" providerId="LiveId" clId="{70F19E90-AFA3-4ACE-A086-16C25165F7E0}" dt="2025-03-25T13:27:47.591" v="118" actId="1076"/>
+          <ac:spMkLst>
+            <pc:docMk/>
+            <pc:sldMk cId="0" sldId="259"/>
+            <ac:spMk id="7" creationId="{C2948970-16B5-68E5-F628-2DCE3036B1D4}"/>
+          </ac:spMkLst>
+        </pc:spChg>
+        <pc:picChg chg="del">
+          <ac:chgData name="brian vriezen" userId="b003f3c94a8dc614" providerId="LiveId" clId="{70F19E90-AFA3-4ACE-A086-16C25165F7E0}" dt="2025-03-25T13:27:03.620" v="99" actId="478"/>
+          <ac:picMkLst>
+            <pc:docMk/>
+            <pc:sldMk cId="0" sldId="259"/>
+            <ac:picMk id="4" creationId="{2373FC65-02AC-09AC-F8F6-7A1F61E4362A}"/>
+          </ac:picMkLst>
+        </pc:picChg>
+        <pc:picChg chg="add mod">
+          <ac:chgData name="brian vriezen" userId="b003f3c94a8dc614" providerId="LiveId" clId="{70F19E90-AFA3-4ACE-A086-16C25165F7E0}" dt="2025-03-25T13:29:39.542" v="130" actId="1076"/>
+          <ac:picMkLst>
+            <pc:docMk/>
+            <pc:sldMk cId="0" sldId="259"/>
+            <ac:picMk id="1026" creationId="{E66654A0-4BDC-B870-C66A-A677F3CC1D6B}"/>
+          </ac:picMkLst>
+        </pc:picChg>
+        <pc:picChg chg="add mod">
+          <ac:chgData name="brian vriezen" userId="b003f3c94a8dc614" providerId="LiveId" clId="{70F19E90-AFA3-4ACE-A086-16C25165F7E0}" dt="2025-03-25T13:29:41.027" v="131" actId="1076"/>
+          <ac:picMkLst>
+            <pc:docMk/>
+            <pc:sldMk cId="0" sldId="259"/>
+            <ac:picMk id="1028" creationId="{256D4F69-6527-3E40-1574-B1874B7BD045}"/>
+          </ac:picMkLst>
+        </pc:picChg>
+        <pc:picChg chg="add mod">
+          <ac:chgData name="brian vriezen" userId="b003f3c94a8dc614" providerId="LiveId" clId="{70F19E90-AFA3-4ACE-A086-16C25165F7E0}" dt="2025-03-25T13:30:24.433" v="136" actId="1076"/>
+          <ac:picMkLst>
+            <pc:docMk/>
+            <pc:sldMk cId="0" sldId="259"/>
+            <ac:picMk id="1030" creationId="{EE73F58B-C7FD-52E4-45C5-F1DCE185E1F9}"/>
+          </ac:picMkLst>
+        </pc:picChg>
+        <pc:picChg chg="add mod">
+          <ac:chgData name="brian vriezen" userId="b003f3c94a8dc614" providerId="LiveId" clId="{70F19E90-AFA3-4ACE-A086-16C25165F7E0}" dt="2025-03-25T13:30:25.606" v="137" actId="1076"/>
+          <ac:picMkLst>
+            <pc:docMk/>
+            <pc:sldMk cId="0" sldId="259"/>
+            <ac:picMk id="1032" creationId="{3BEA0FF2-C269-0DB5-629B-889785C84E49}"/>
+          </ac:picMkLst>
+        </pc:picChg>
+      </pc:sldChg>
+      <pc:sldChg chg="modSp mod">
+        <pc:chgData name="brian vriezen" userId="b003f3c94a8dc614" providerId="LiveId" clId="{70F19E90-AFA3-4ACE-A086-16C25165F7E0}" dt="2025-03-25T13:25:22.207" v="98" actId="20577"/>
+        <pc:sldMkLst>
+          <pc:docMk/>
+          <pc:sldMk cId="0" sldId="260"/>
+        </pc:sldMkLst>
+        <pc:spChg chg="mod">
+          <ac:chgData name="brian vriezen" userId="b003f3c94a8dc614" providerId="LiveId" clId="{70F19E90-AFA3-4ACE-A086-16C25165F7E0}" dt="2025-03-25T13:24:47.277" v="97" actId="790"/>
+          <ac:spMkLst>
+            <pc:docMk/>
+            <pc:sldMk cId="0" sldId="260"/>
+            <ac:spMk id="2" creationId="{00000000-0000-0000-0000-000000000000}"/>
+          </ac:spMkLst>
+        </pc:spChg>
+        <pc:spChg chg="mod">
+          <ac:chgData name="brian vriezen" userId="b003f3c94a8dc614" providerId="LiveId" clId="{70F19E90-AFA3-4ACE-A086-16C25165F7E0}" dt="2025-03-25T13:25:22.207" v="98" actId="20577"/>
+          <ac:spMkLst>
+            <pc:docMk/>
+            <pc:sldMk cId="0" sldId="260"/>
+            <ac:spMk id="3" creationId="{00000000-0000-0000-0000-000000000000}"/>
+          </ac:spMkLst>
+        </pc:spChg>
+      </pc:sldChg>
+      <pc:sldChg chg="modSp mod">
+        <pc:chgData name="brian vriezen" userId="b003f3c94a8dc614" providerId="LiveId" clId="{70F19E90-AFA3-4ACE-A086-16C25165F7E0}" dt="2025-03-25T13:24:47.277" v="97" actId="790"/>
+        <pc:sldMkLst>
+          <pc:docMk/>
+          <pc:sldMk cId="0" sldId="261"/>
+        </pc:sldMkLst>
+        <pc:spChg chg="mod">
+          <ac:chgData name="brian vriezen" userId="b003f3c94a8dc614" providerId="LiveId" clId="{70F19E90-AFA3-4ACE-A086-16C25165F7E0}" dt="2025-03-25T13:24:47.277" v="97" actId="790"/>
+          <ac:spMkLst>
+            <pc:docMk/>
+            <pc:sldMk cId="0" sldId="261"/>
+            <ac:spMk id="2" creationId="{00000000-0000-0000-0000-000000000000}"/>
+          </ac:spMkLst>
+        </pc:spChg>
+      </pc:sldChg>
+    </pc:docChg>
+  </pc:docChgLst>
   <pc:docChgLst>
     <pc:chgData name="brian vriezen" userId="b003f3c94a8dc614" providerId="LiveId" clId="{4FBC04F4-8F59-4BC8-887C-48E77A42E34E}"/>
     <pc:docChg chg="modSld">
@@ -366,7 +641,7 @@
             <a:fld id="{1D8BD707-D9CF-40AE-B4C6-C98DA3205C09}" type="datetimeFigureOut">
               <a:rPr lang="en-US" smtClean="0"/>
               <a:pPr/>
-              <a:t>3/24/2025</a:t>
+              <a:t>3/25/2025</a:t>
             </a:fld>
             <a:endParaRPr lang="en-US"/>
           </a:p>
@@ -409,7 +684,7 @@
             <a:fld id="{B6F15528-21DE-4FAA-801E-634DDDAF4B2B}" type="slidenum">
               <a:rPr lang="en-US" smtClean="0"/>
               <a:pPr/>
-              <a:t>‹#›</a:t>
+              <a:t>‹nr.›</a:t>
             </a:fld>
             <a:endParaRPr lang="en-US"/>
           </a:p>
@@ -531,7 +806,7 @@
             <a:fld id="{1D8BD707-D9CF-40AE-B4C6-C98DA3205C09}" type="datetimeFigureOut">
               <a:rPr lang="en-US" smtClean="0"/>
               <a:pPr/>
-              <a:t>3/24/2025</a:t>
+              <a:t>3/25/2025</a:t>
             </a:fld>
             <a:endParaRPr lang="en-US"/>
           </a:p>
@@ -574,7 +849,7 @@
             <a:fld id="{B6F15528-21DE-4FAA-801E-634DDDAF4B2B}" type="slidenum">
               <a:rPr lang="en-US" smtClean="0"/>
               <a:pPr/>
-              <a:t>‹#›</a:t>
+              <a:t>‹nr.›</a:t>
             </a:fld>
             <a:endParaRPr lang="en-US"/>
           </a:p>
@@ -706,7 +981,7 @@
             <a:fld id="{1D8BD707-D9CF-40AE-B4C6-C98DA3205C09}" type="datetimeFigureOut">
               <a:rPr lang="en-US" smtClean="0"/>
               <a:pPr/>
-              <a:t>3/24/2025</a:t>
+              <a:t>3/25/2025</a:t>
             </a:fld>
             <a:endParaRPr lang="en-US"/>
           </a:p>
@@ -749,7 +1024,7 @@
             <a:fld id="{B6F15528-21DE-4FAA-801E-634DDDAF4B2B}" type="slidenum">
               <a:rPr lang="en-US" smtClean="0"/>
               <a:pPr/>
-              <a:t>‹#›</a:t>
+              <a:t>‹nr.›</a:t>
             </a:fld>
             <a:endParaRPr lang="en-US"/>
           </a:p>
@@ -871,7 +1146,7 @@
             <a:fld id="{1D8BD707-D9CF-40AE-B4C6-C98DA3205C09}" type="datetimeFigureOut">
               <a:rPr lang="en-US" smtClean="0"/>
               <a:pPr/>
-              <a:t>3/24/2025</a:t>
+              <a:t>3/25/2025</a:t>
             </a:fld>
             <a:endParaRPr lang="en-US"/>
           </a:p>
@@ -914,7 +1189,7 @@
             <a:fld id="{B6F15528-21DE-4FAA-801E-634DDDAF4B2B}" type="slidenum">
               <a:rPr lang="en-US" smtClean="0"/>
               <a:pPr/>
-              <a:t>‹#›</a:t>
+              <a:t>‹nr.›</a:t>
             </a:fld>
             <a:endParaRPr lang="en-US"/>
           </a:p>
@@ -1113,7 +1388,7 @@
             <a:fld id="{1D8BD707-D9CF-40AE-B4C6-C98DA3205C09}" type="datetimeFigureOut">
               <a:rPr lang="en-US" smtClean="0"/>
               <a:pPr/>
-              <a:t>3/24/2025</a:t>
+              <a:t>3/25/2025</a:t>
             </a:fld>
             <a:endParaRPr lang="en-US"/>
           </a:p>
@@ -1156,7 +1431,7 @@
             <a:fld id="{B6F15528-21DE-4FAA-801E-634DDDAF4B2B}" type="slidenum">
               <a:rPr lang="en-US" smtClean="0"/>
               <a:pPr/>
-              <a:t>‹#›</a:t>
+              <a:t>‹nr.›</a:t>
             </a:fld>
             <a:endParaRPr lang="en-US"/>
           </a:p>
@@ -1395,7 +1670,7 @@
             <a:fld id="{1D8BD707-D9CF-40AE-B4C6-C98DA3205C09}" type="datetimeFigureOut">
               <a:rPr lang="en-US" smtClean="0"/>
               <a:pPr/>
-              <a:t>3/24/2025</a:t>
+              <a:t>3/25/2025</a:t>
             </a:fld>
             <a:endParaRPr lang="en-US"/>
           </a:p>
@@ -1438,7 +1713,7 @@
             <a:fld id="{B6F15528-21DE-4FAA-801E-634DDDAF4B2B}" type="slidenum">
               <a:rPr lang="en-US" smtClean="0"/>
               <a:pPr/>
-              <a:t>‹#›</a:t>
+              <a:t>‹nr.›</a:t>
             </a:fld>
             <a:endParaRPr lang="en-US"/>
           </a:p>
@@ -1811,7 +2086,7 @@
             <a:fld id="{1D8BD707-D9CF-40AE-B4C6-C98DA3205C09}" type="datetimeFigureOut">
               <a:rPr lang="en-US" smtClean="0"/>
               <a:pPr/>
-              <a:t>3/24/2025</a:t>
+              <a:t>3/25/2025</a:t>
             </a:fld>
             <a:endParaRPr lang="en-US"/>
           </a:p>
@@ -1854,7 +2129,7 @@
             <a:fld id="{B6F15528-21DE-4FAA-801E-634DDDAF4B2B}" type="slidenum">
               <a:rPr lang="en-US" smtClean="0"/>
               <a:pPr/>
-              <a:t>‹#›</a:t>
+              <a:t>‹nr.›</a:t>
             </a:fld>
             <a:endParaRPr lang="en-US"/>
           </a:p>
@@ -1925,7 +2200,7 @@
             <a:fld id="{1D8BD707-D9CF-40AE-B4C6-C98DA3205C09}" type="datetimeFigureOut">
               <a:rPr lang="en-US" smtClean="0"/>
               <a:pPr/>
-              <a:t>3/24/2025</a:t>
+              <a:t>3/25/2025</a:t>
             </a:fld>
             <a:endParaRPr lang="en-US"/>
           </a:p>
@@ -1968,7 +2243,7 @@
             <a:fld id="{B6F15528-21DE-4FAA-801E-634DDDAF4B2B}" type="slidenum">
               <a:rPr lang="en-US" smtClean="0"/>
               <a:pPr/>
-              <a:t>‹#›</a:t>
+              <a:t>‹nr.›</a:t>
             </a:fld>
             <a:endParaRPr lang="en-US"/>
           </a:p>
@@ -2017,7 +2292,7 @@
             <a:fld id="{1D8BD707-D9CF-40AE-B4C6-C98DA3205C09}" type="datetimeFigureOut">
               <a:rPr lang="en-US" smtClean="0"/>
               <a:pPr/>
-              <a:t>3/24/2025</a:t>
+              <a:t>3/25/2025</a:t>
             </a:fld>
             <a:endParaRPr lang="en-US"/>
           </a:p>
@@ -2060,7 +2335,7 @@
             <a:fld id="{B6F15528-21DE-4FAA-801E-634DDDAF4B2B}" type="slidenum">
               <a:rPr lang="en-US" smtClean="0"/>
               <a:pPr/>
-              <a:t>‹#›</a:t>
+              <a:t>‹nr.›</a:t>
             </a:fld>
             <a:endParaRPr lang="en-US"/>
           </a:p>
@@ -2289,7 +2564,7 @@
             <a:fld id="{1D8BD707-D9CF-40AE-B4C6-C98DA3205C09}" type="datetimeFigureOut">
               <a:rPr lang="en-US" smtClean="0"/>
               <a:pPr/>
-              <a:t>3/24/2025</a:t>
+              <a:t>3/25/2025</a:t>
             </a:fld>
             <a:endParaRPr lang="en-US"/>
           </a:p>
@@ -2332,7 +2607,7 @@
             <a:fld id="{B6F15528-21DE-4FAA-801E-634DDDAF4B2B}" type="slidenum">
               <a:rPr lang="en-US" smtClean="0"/>
               <a:pPr/>
-              <a:t>‹#›</a:t>
+              <a:t>‹nr.›</a:t>
             </a:fld>
             <a:endParaRPr lang="en-US"/>
           </a:p>
@@ -2538,7 +2813,7 @@
             <a:fld id="{1D8BD707-D9CF-40AE-B4C6-C98DA3205C09}" type="datetimeFigureOut">
               <a:rPr lang="en-US" smtClean="0"/>
               <a:pPr/>
-              <a:t>3/24/2025</a:t>
+              <a:t>3/25/2025</a:t>
             </a:fld>
             <a:endParaRPr lang="en-US"/>
           </a:p>
@@ -2581,7 +2856,7 @@
             <a:fld id="{B6F15528-21DE-4FAA-801E-634DDDAF4B2B}" type="slidenum">
               <a:rPr lang="en-US" smtClean="0"/>
               <a:pPr/>
-              <a:t>‹#›</a:t>
+              <a:t>‹nr.›</a:t>
             </a:fld>
             <a:endParaRPr lang="en-US"/>
           </a:p>
@@ -2746,7 +3021,7 @@
             <a:fld id="{1D8BD707-D9CF-40AE-B4C6-C98DA3205C09}" type="datetimeFigureOut">
               <a:rPr lang="en-US" smtClean="0"/>
               <a:pPr/>
-              <a:t>3/24/2025</a:t>
+              <a:t>3/25/2025</a:t>
             </a:fld>
             <a:endParaRPr lang="en-US"/>
           </a:p>
@@ -2825,7 +3100,7 @@
             <a:fld id="{B6F15528-21DE-4FAA-801E-634DDDAF4B2B}" type="slidenum">
               <a:rPr lang="en-US" smtClean="0"/>
               <a:pPr/>
-              <a:t>‹#›</a:t>
+              <a:t>‹nr.›</a:t>
             </a:fld>
             <a:endParaRPr lang="en-US"/>
           </a:p>
@@ -3191,7 +3466,7 @@
           <a:bodyPr/>
           <a:lstStyle/>
           <a:p>
-            <a:endParaRPr lang="LID4096"/>
+            <a:endParaRPr lang="nl-NL" noProof="0" dirty="0"/>
           </a:p>
         </p:txBody>
       </p:sp>
@@ -3246,7 +3521,7 @@
           <a:bodyPr/>
           <a:lstStyle/>
           <a:p>
-            <a:endParaRPr lang="LID4096"/>
+            <a:endParaRPr lang="nl-NL" noProof="0" dirty="0"/>
           </a:p>
         </p:txBody>
       </p:sp>
@@ -3305,7 +3580,7 @@
           <a:bodyPr/>
           <a:lstStyle/>
           <a:p>
-            <a:endParaRPr lang="LID4096"/>
+            <a:endParaRPr lang="nl-NL" noProof="0" dirty="0"/>
           </a:p>
         </p:txBody>
       </p:sp>
@@ -3364,7 +3639,7 @@
           <a:bodyPr/>
           <a:lstStyle/>
           <a:p>
-            <a:endParaRPr lang="LID4096"/>
+            <a:endParaRPr lang="nl-NL" noProof="0" dirty="0"/>
           </a:p>
         </p:txBody>
       </p:sp>
@@ -3468,7 +3743,7 @@
             <a:bodyPr/>
             <a:lstStyle/>
             <a:p>
-              <a:endParaRPr lang="LID4096"/>
+              <a:endParaRPr lang="nl-NL" noProof="0" dirty="0"/>
             </a:p>
           </p:txBody>
         </p:sp>
@@ -3496,7 +3771,7 @@
                   <a:spcPts val="2659"/>
                 </a:lnSpc>
               </a:pPr>
-              <a:endParaRPr/>
+              <a:endParaRPr lang="nl-NL" noProof="0" dirty="0"/>
             </a:p>
           </p:txBody>
         </p:sp>
@@ -3556,7 +3831,7 @@
           <a:bodyPr/>
           <a:lstStyle/>
           <a:p>
-            <a:endParaRPr lang="LID4096"/>
+            <a:endParaRPr lang="nl-NL" noProof="0" dirty="0"/>
           </a:p>
         </p:txBody>
       </p:sp>
@@ -3643,7 +3918,7 @@
             <a:bodyPr/>
             <a:lstStyle/>
             <a:p>
-              <a:endParaRPr lang="LID4096"/>
+              <a:endParaRPr lang="nl-NL" noProof="0" dirty="0"/>
             </a:p>
           </p:txBody>
         </p:sp>
@@ -3671,7 +3946,7 @@
                   <a:spcPts val="3151"/>
                 </a:lnSpc>
               </a:pPr>
-              <a:endParaRPr/>
+              <a:endParaRPr lang="nl-NL" noProof="0" dirty="0"/>
             </a:p>
           </p:txBody>
         </p:sp>
@@ -3703,7 +3978,7 @@
               </a:lnSpc>
             </a:pPr>
             <a:r>
-              <a:rPr lang="en-US" sz="11899" b="1">
+              <a:rPr lang="nl-NL" sz="11899" b="1" noProof="0" dirty="0">
                 <a:solidFill>
                   <a:srgbClr val="FFFFFF"/>
                 </a:solidFill>
@@ -3744,7 +4019,7 @@
               </a:lnSpc>
             </a:pPr>
             <a:r>
-              <a:rPr lang="en-US" sz="11899" b="1">
+              <a:rPr lang="nl-NL" sz="11899" b="1" noProof="0" dirty="0">
                 <a:solidFill>
                   <a:srgbClr val="65FFE8"/>
                 </a:solidFill>
@@ -3841,7 +4116,7 @@
             <a:bodyPr/>
             <a:lstStyle/>
             <a:p>
-              <a:endParaRPr lang="LID4096"/>
+              <a:endParaRPr lang="nl-NL" noProof="0" dirty="0"/>
             </a:p>
           </p:txBody>
         </p:sp>
@@ -3869,7 +4144,7 @@
                   <a:spcPts val="3151"/>
                 </a:lnSpc>
               </a:pPr>
-              <a:endParaRPr/>
+              <a:endParaRPr lang="nl-NL" noProof="0" dirty="0"/>
             </a:p>
           </p:txBody>
         </p:sp>
@@ -3971,7 +4246,7 @@
           <a:bodyPr/>
           <a:lstStyle/>
           <a:p>
-            <a:endParaRPr lang="LID4096"/>
+            <a:endParaRPr lang="nl-NL" noProof="0" dirty="0"/>
           </a:p>
         </p:txBody>
       </p:sp>
@@ -4002,7 +4277,7 @@
               </a:lnSpc>
             </a:pPr>
             <a:r>
-              <a:rPr lang="en-US" sz="5199" b="1">
+              <a:rPr lang="nl-NL" sz="5199" b="1" noProof="0" dirty="0">
                 <a:solidFill>
                   <a:srgbClr val="FFFFFF"/>
                 </a:solidFill>
@@ -4011,7 +4286,31 @@
                 <a:cs typeface="Canva Sans Bold"/>
                 <a:sym typeface="Canva Sans Bold"/>
               </a:rPr>
-              <a:t>Wat is het Open/Closed Principle?</a:t>
+              <a:t>Wat is het Open/Closed </a:t>
+            </a:r>
+            <a:r>
+              <a:rPr lang="nl-NL" sz="5199" b="1" noProof="0" dirty="0" err="1">
+                <a:solidFill>
+                  <a:srgbClr val="FFFFFF"/>
+                </a:solidFill>
+                <a:latin typeface="Canva Sans Bold"/>
+                <a:ea typeface="Canva Sans Bold"/>
+                <a:cs typeface="Canva Sans Bold"/>
+                <a:sym typeface="Canva Sans Bold"/>
+              </a:rPr>
+              <a:t>Principle</a:t>
+            </a:r>
+            <a:r>
+              <a:rPr lang="nl-NL" sz="5199" b="1" noProof="0" dirty="0">
+                <a:solidFill>
+                  <a:srgbClr val="FFFFFF"/>
+                </a:solidFill>
+                <a:latin typeface="Canva Sans Bold"/>
+                <a:ea typeface="Canva Sans Bold"/>
+                <a:cs typeface="Canva Sans Bold"/>
+                <a:sym typeface="Canva Sans Bold"/>
+              </a:rPr>
+              <a:t>?</a:t>
             </a:r>
           </a:p>
         </p:txBody>
@@ -4043,7 +4342,7 @@
               </a:lnSpc>
             </a:pPr>
             <a:r>
-              <a:rPr lang="en-US" sz="3399">
+              <a:rPr lang="nl-NL" sz="3399" noProof="0" dirty="0">
                 <a:solidFill>
                   <a:srgbClr val="FFFFFF"/>
                 </a:solidFill>
@@ -4052,7 +4351,199 @@
                 <a:cs typeface="Canva Sans"/>
                 <a:sym typeface="Canva Sans"/>
               </a:rPr>
-              <a:t>"Software entities (classes, modules, functions, etc.) should be open for extension but closed for modification."</a:t>
+              <a:t>"Software </a:t>
+            </a:r>
+            <a:r>
+              <a:rPr lang="nl-NL" sz="3399" noProof="0" dirty="0" err="1">
+                <a:solidFill>
+                  <a:srgbClr val="FFFFFF"/>
+                </a:solidFill>
+                <a:latin typeface="Canva Sans"/>
+                <a:ea typeface="Canva Sans"/>
+                <a:cs typeface="Canva Sans"/>
+                <a:sym typeface="Canva Sans"/>
+              </a:rPr>
+              <a:t>entities</a:t>
+            </a:r>
+            <a:r>
+              <a:rPr lang="nl-NL" sz="3399" noProof="0" dirty="0">
+                <a:solidFill>
+                  <a:srgbClr val="FFFFFF"/>
+                </a:solidFill>
+                <a:latin typeface="Canva Sans"/>
+                <a:ea typeface="Canva Sans"/>
+                <a:cs typeface="Canva Sans"/>
+                <a:sym typeface="Canva Sans"/>
+              </a:rPr>
+              <a:t> (classes, modules, </a:t>
+            </a:r>
+            <a:r>
+              <a:rPr lang="nl-NL" sz="3399" noProof="0" dirty="0" err="1">
+                <a:solidFill>
+                  <a:srgbClr val="FFFFFF"/>
+                </a:solidFill>
+                <a:latin typeface="Canva Sans"/>
+                <a:ea typeface="Canva Sans"/>
+                <a:cs typeface="Canva Sans"/>
+                <a:sym typeface="Canva Sans"/>
+              </a:rPr>
+              <a:t>functions</a:t>
+            </a:r>
+            <a:r>
+              <a:rPr lang="nl-NL" sz="3399" noProof="0" dirty="0">
+                <a:solidFill>
+                  <a:srgbClr val="FFFFFF"/>
+                </a:solidFill>
+                <a:latin typeface="Canva Sans"/>
+                <a:ea typeface="Canva Sans"/>
+                <a:cs typeface="Canva Sans"/>
+                <a:sym typeface="Canva Sans"/>
+              </a:rPr>
+              <a:t>, etc.) </a:t>
+            </a:r>
+            <a:r>
+              <a:rPr lang="nl-NL" sz="3399" noProof="0" dirty="0" err="1">
+                <a:solidFill>
+                  <a:srgbClr val="FFFFFF"/>
+                </a:solidFill>
+                <a:latin typeface="Canva Sans"/>
+                <a:ea typeface="Canva Sans"/>
+                <a:cs typeface="Canva Sans"/>
+                <a:sym typeface="Canva Sans"/>
+              </a:rPr>
+              <a:t>should</a:t>
+            </a:r>
+            <a:r>
+              <a:rPr lang="nl-NL" sz="3399" noProof="0" dirty="0">
+                <a:solidFill>
+                  <a:srgbClr val="FFFFFF"/>
+                </a:solidFill>
+                <a:latin typeface="Canva Sans"/>
+                <a:ea typeface="Canva Sans"/>
+                <a:cs typeface="Canva Sans"/>
+                <a:sym typeface="Canva Sans"/>
+              </a:rPr>
+              <a:t> </a:t>
+            </a:r>
+            <a:r>
+              <a:rPr lang="nl-NL" sz="3399" noProof="0" dirty="0" err="1">
+                <a:solidFill>
+                  <a:srgbClr val="FFFFFF"/>
+                </a:solidFill>
+                <a:latin typeface="Canva Sans"/>
+                <a:ea typeface="Canva Sans"/>
+                <a:cs typeface="Canva Sans"/>
+                <a:sym typeface="Canva Sans"/>
+              </a:rPr>
+              <a:t>be</a:t>
+            </a:r>
+            <a:r>
+              <a:rPr lang="nl-NL" sz="3399" noProof="0" dirty="0">
+                <a:solidFill>
+                  <a:srgbClr val="FFFFFF"/>
+                </a:solidFill>
+                <a:latin typeface="Canva Sans"/>
+                <a:ea typeface="Canva Sans"/>
+                <a:cs typeface="Canva Sans"/>
+                <a:sym typeface="Canva Sans"/>
+              </a:rPr>
+              <a:t> open </a:t>
+            </a:r>
+            <a:r>
+              <a:rPr lang="nl-NL" sz="3399" noProof="0" dirty="0" err="1">
+                <a:solidFill>
+                  <a:srgbClr val="FFFFFF"/>
+                </a:solidFill>
+                <a:latin typeface="Canva Sans"/>
+                <a:ea typeface="Canva Sans"/>
+                <a:cs typeface="Canva Sans"/>
+                <a:sym typeface="Canva Sans"/>
+              </a:rPr>
+              <a:t>for</a:t>
+            </a:r>
+            <a:r>
+              <a:rPr lang="nl-NL" sz="3399" noProof="0" dirty="0">
+                <a:solidFill>
+                  <a:srgbClr val="FFFFFF"/>
+                </a:solidFill>
+                <a:latin typeface="Canva Sans"/>
+                <a:ea typeface="Canva Sans"/>
+                <a:cs typeface="Canva Sans"/>
+                <a:sym typeface="Canva Sans"/>
+              </a:rPr>
+              <a:t> extension but </a:t>
+            </a:r>
+            <a:r>
+              <a:rPr lang="nl-NL" sz="3399" noProof="0" dirty="0" err="1">
+                <a:solidFill>
+                  <a:srgbClr val="FFFFFF"/>
+                </a:solidFill>
+                <a:latin typeface="Canva Sans"/>
+                <a:ea typeface="Canva Sans"/>
+                <a:cs typeface="Canva Sans"/>
+                <a:sym typeface="Canva Sans"/>
+              </a:rPr>
+              <a:t>closed</a:t>
+            </a:r>
+            <a:r>
+              <a:rPr lang="nl-NL" sz="3399" noProof="0" dirty="0">
+                <a:solidFill>
+                  <a:srgbClr val="FFFFFF"/>
+                </a:solidFill>
+                <a:latin typeface="Canva Sans"/>
+                <a:ea typeface="Canva Sans"/>
+                <a:cs typeface="Canva Sans"/>
+                <a:sym typeface="Canva Sans"/>
+              </a:rPr>
+              <a:t> </a:t>
+            </a:r>
+            <a:r>
+              <a:rPr lang="nl-NL" sz="3399" noProof="0" dirty="0" err="1">
+                <a:solidFill>
+                  <a:srgbClr val="FFFFFF"/>
+                </a:solidFill>
+                <a:latin typeface="Canva Sans"/>
+                <a:ea typeface="Canva Sans"/>
+                <a:cs typeface="Canva Sans"/>
+                <a:sym typeface="Canva Sans"/>
+              </a:rPr>
+              <a:t>for</a:t>
+            </a:r>
+            <a:r>
+              <a:rPr lang="nl-NL" sz="3399" noProof="0" dirty="0">
+                <a:solidFill>
+                  <a:srgbClr val="FFFFFF"/>
+                </a:solidFill>
+                <a:latin typeface="Canva Sans"/>
+                <a:ea typeface="Canva Sans"/>
+                <a:cs typeface="Canva Sans"/>
+                <a:sym typeface="Canva Sans"/>
+              </a:rPr>
+              <a:t> </a:t>
+            </a:r>
+            <a:r>
+              <a:rPr lang="nl-NL" sz="3399" noProof="0" dirty="0" err="1">
+                <a:solidFill>
+                  <a:srgbClr val="FFFFFF"/>
+                </a:solidFill>
+                <a:latin typeface="Canva Sans"/>
+                <a:ea typeface="Canva Sans"/>
+                <a:cs typeface="Canva Sans"/>
+                <a:sym typeface="Canva Sans"/>
+              </a:rPr>
+              <a:t>modification</a:t>
+            </a:r>
+            <a:r>
+              <a:rPr lang="nl-NL" sz="3399" noProof="0" dirty="0">
+                <a:solidFill>
+                  <a:srgbClr val="FFFFFF"/>
+                </a:solidFill>
+                <a:latin typeface="Canva Sans"/>
+                <a:ea typeface="Canva Sans"/>
+                <a:cs typeface="Canva Sans"/>
+                <a:sym typeface="Canva Sans"/>
+              </a:rPr>
+              <a:t>."</a:t>
             </a:r>
           </a:p>
         </p:txBody>
@@ -4132,7 +4623,7 @@
               </a:lnSpc>
             </a:pPr>
             <a:r>
-              <a:rPr lang="en-US" sz="5199" b="1">
+              <a:rPr lang="nl-NL" sz="5199" b="1" noProof="0" dirty="0">
                 <a:solidFill>
                   <a:srgbClr val="FFFFFF"/>
                 </a:solidFill>
@@ -4155,7 +4646,7 @@
         <p:spPr>
           <a:xfrm>
             <a:off x="1454425" y="2658746"/>
-            <a:ext cx="11015782" cy="1780540"/>
+            <a:ext cx="11015782" cy="1189749"/>
           </a:xfrm>
           <a:prstGeom prst="rect">
             <a:avLst/>
@@ -4175,7 +4666,7 @@
               <a:buChar char="•"/>
             </a:pPr>
             <a:r>
-              <a:rPr lang="en-US" sz="3399">
+              <a:rPr lang="nl-NL" sz="3399" noProof="0" dirty="0">
                 <a:solidFill>
                   <a:srgbClr val="FFFFFF"/>
                 </a:solidFill>
@@ -4196,7 +4687,7 @@
               <a:buChar char="•"/>
             </a:pPr>
             <a:r>
-              <a:rPr lang="en-US" sz="3399">
+              <a:rPr lang="nl-NL" sz="3399" noProof="0" dirty="0">
                 <a:solidFill>
                   <a:srgbClr val="FFFFFF"/>
                 </a:solidFill>
@@ -4205,19 +4696,10 @@
                 <a:cs typeface="Canva Sans"/>
                 <a:sym typeface="Canva Sans"/>
               </a:rPr>
-              <a:t>Maakt code beter uitbreidbaar</a:t>
-            </a:r>
-          </a:p>
-          <a:p>
-            <a:pPr marL="734059" lvl="1" indent="-367030" algn="l">
-              <a:lnSpc>
-                <a:spcPts val="4759"/>
-              </a:lnSpc>
-              <a:buFont typeface="Arial"/>
-              <a:buChar char="•"/>
-            </a:pPr>
-            <a:r>
-              <a:rPr lang="en-US" sz="3399">
+              <a:t>Maakt code beter </a:t>
+            </a:r>
+            <a:r>
+              <a:rPr lang="nl-NL" sz="3399" noProof="0" dirty="0" err="1">
                 <a:solidFill>
                   <a:srgbClr val="FFFFFF"/>
                 </a:solidFill>
@@ -4226,7 +4708,19 @@
                 <a:cs typeface="Canva Sans"/>
                 <a:sym typeface="Canva Sans"/>
               </a:rPr>
-              <a:t>Ondersteunt SOLID-principes en flexibel ontwerp</a:t>
+              <a:t>uitbreidbaar</a:t>
+            </a:r>
+            <a:r>
+              <a:rPr lang="nl-NL" sz="3399" noProof="0" dirty="0">
+                <a:solidFill>
+                  <a:srgbClr val="FFFFFF"/>
+                </a:solidFill>
+                <a:latin typeface="Canva Sans"/>
+                <a:ea typeface="Canva Sans"/>
+                <a:cs typeface="Canva Sans"/>
+                <a:sym typeface="Canva Sans"/>
+              </a:rPr>
+              <a:t>.</a:t>
             </a:r>
           </a:p>
         </p:txBody>
@@ -4306,7 +4800,7 @@
               </a:lnSpc>
             </a:pPr>
             <a:r>
-              <a:rPr lang="en-US" sz="5199" b="1">
+              <a:rPr lang="nl-NL" sz="5199" b="1" noProof="0" dirty="0">
                 <a:solidFill>
                   <a:srgbClr val="FFFFFF"/>
                 </a:solidFill>
@@ -4320,34 +4814,286 @@
           </a:p>
         </p:txBody>
       </p:sp>
+      <p:sp>
+        <p:nvSpPr>
+          <p:cNvPr id="6" name="TextBox 2">
+            <a:extLst>
+              <a:ext uri="{FF2B5EF4-FFF2-40B4-BE49-F238E27FC236}">
+                <a16:creationId xmlns:a16="http://schemas.microsoft.com/office/drawing/2014/main" id="{A8E4DFD4-CD22-55F5-6859-02529220700E}"/>
+              </a:ext>
+            </a:extLst>
+          </p:cNvPr>
+          <p:cNvSpPr txBox="1"/>
+          <p:nvPr/>
+        </p:nvSpPr>
+        <p:spPr>
+          <a:xfrm>
+            <a:off x="1752600" y="1943100"/>
+            <a:ext cx="4975860" cy="887095"/>
+          </a:xfrm>
+          <a:prstGeom prst="rect">
+            <a:avLst/>
+          </a:prstGeom>
+        </p:spPr>
+        <p:txBody>
+          <a:bodyPr lIns="0" tIns="0" rIns="0" bIns="0" rtlCol="0" anchor="t">
+            <a:spAutoFit/>
+          </a:bodyPr>
+          <a:lstStyle/>
+          <a:p>
+            <a:pPr algn="ctr">
+              <a:lnSpc>
+                <a:spcPts val="7279"/>
+              </a:lnSpc>
+            </a:pPr>
+            <a:r>
+              <a:rPr lang="nl-NL" sz="5199" b="1" noProof="0" dirty="0">
+                <a:solidFill>
+                  <a:srgbClr val="FFFFFF"/>
+                </a:solidFill>
+                <a:latin typeface="Canva Sans Bold"/>
+                <a:ea typeface="Canva Sans Bold"/>
+                <a:cs typeface="Canva Sans Bold"/>
+                <a:sym typeface="Canva Sans Bold"/>
+              </a:rPr>
+              <a:t>Fout</a:t>
+            </a:r>
+          </a:p>
+        </p:txBody>
+      </p:sp>
+      <p:sp>
+        <p:nvSpPr>
+          <p:cNvPr id="7" name="TextBox 2">
+            <a:extLst>
+              <a:ext uri="{FF2B5EF4-FFF2-40B4-BE49-F238E27FC236}">
+                <a16:creationId xmlns:a16="http://schemas.microsoft.com/office/drawing/2014/main" id="{C2948970-16B5-68E5-F628-2DCE3036B1D4}"/>
+              </a:ext>
+            </a:extLst>
+          </p:cNvPr>
+          <p:cNvSpPr txBox="1"/>
+          <p:nvPr/>
+        </p:nvSpPr>
+        <p:spPr>
+          <a:xfrm>
+            <a:off x="11616690" y="1943099"/>
+            <a:ext cx="4975860" cy="887095"/>
+          </a:xfrm>
+          <a:prstGeom prst="rect">
+            <a:avLst/>
+          </a:prstGeom>
+        </p:spPr>
+        <p:txBody>
+          <a:bodyPr lIns="0" tIns="0" rIns="0" bIns="0" rtlCol="0" anchor="t">
+            <a:spAutoFit/>
+          </a:bodyPr>
+          <a:lstStyle/>
+          <a:p>
+            <a:pPr algn="ctr">
+              <a:lnSpc>
+                <a:spcPts val="7279"/>
+              </a:lnSpc>
+            </a:pPr>
+            <a:r>
+              <a:rPr lang="nl-NL" sz="5199" b="1" noProof="0" dirty="0">
+                <a:solidFill>
+                  <a:srgbClr val="FFFFFF"/>
+                </a:solidFill>
+                <a:latin typeface="Canva Sans Bold"/>
+                <a:ea typeface="Canva Sans Bold"/>
+                <a:cs typeface="Canva Sans Bold"/>
+                <a:sym typeface="Canva Sans Bold"/>
+              </a:rPr>
+              <a:t>Goed</a:t>
+            </a:r>
+          </a:p>
+        </p:txBody>
+      </p:sp>
       <p:pic>
         <p:nvPicPr>
-          <p:cNvPr id="4" name="Picture 3">
+          <p:cNvPr id="1026" name="Picture 2">
             <a:extLst>
               <a:ext uri="{FF2B5EF4-FFF2-40B4-BE49-F238E27FC236}">
-                <a16:creationId xmlns:a16="http://schemas.microsoft.com/office/drawing/2014/main" id="{2373FC65-02AC-09AC-F8F6-7A1F61E4362A}"/>
+                <a16:creationId xmlns:a16="http://schemas.microsoft.com/office/drawing/2014/main" id="{E66654A0-4BDC-B870-C66A-A677F3CC1D6B}"/>
               </a:ext>
             </a:extLst>
           </p:cNvPr>
           <p:cNvPicPr>
-            <a:picLocks noChangeAspect="1"/>
+            <a:picLocks noChangeAspect="1" noChangeArrowheads="1"/>
           </p:cNvPicPr>
           <p:nvPr/>
         </p:nvPicPr>
         <p:blipFill>
-          <a:blip r:embed="rId2"/>
+          <a:blip r:embed="rId2">
+            <a:extLst>
+              <a:ext uri="{28A0092B-C50C-407E-A947-70E740481C1C}">
+                <a14:useLocalDpi xmlns:a14="http://schemas.microsoft.com/office/drawing/2010/main" val="0"/>
+              </a:ext>
+            </a:extLst>
+          </a:blip>
+          <a:srcRect/>
           <a:stretch>
             <a:fillRect/>
           </a:stretch>
         </p:blipFill>
-        <p:spPr>
+        <p:spPr bwMode="auto">
           <a:xfrm>
-            <a:off x="3552044" y="3009900"/>
-            <a:ext cx="11183911" cy="5277587"/>
+            <a:off x="533400" y="4652327"/>
+            <a:ext cx="7962900" cy="2724150"/>
           </a:xfrm>
           <a:prstGeom prst="rect">
             <a:avLst/>
           </a:prstGeom>
+          <a:noFill/>
+          <a:extLst>
+            <a:ext uri="{909E8E84-426E-40DD-AFC4-6F175D3DCCD1}">
+              <a14:hiddenFill xmlns:a14="http://schemas.microsoft.com/office/drawing/2010/main">
+                <a:solidFill>
+                  <a:srgbClr val="FFFFFF"/>
+                </a:solidFill>
+              </a14:hiddenFill>
+            </a:ext>
+          </a:extLst>
+        </p:spPr>
+      </p:pic>
+      <p:pic>
+        <p:nvPicPr>
+          <p:cNvPr id="1028" name="Picture 4">
+            <a:extLst>
+              <a:ext uri="{FF2B5EF4-FFF2-40B4-BE49-F238E27FC236}">
+                <a16:creationId xmlns:a16="http://schemas.microsoft.com/office/drawing/2014/main" id="{256D4F69-6527-3E40-1574-B1874B7BD045}"/>
+              </a:ext>
+            </a:extLst>
+          </p:cNvPr>
+          <p:cNvPicPr>
+            <a:picLocks noChangeAspect="1" noChangeArrowheads="1"/>
+          </p:cNvPicPr>
+          <p:nvPr/>
+        </p:nvPicPr>
+        <p:blipFill>
+          <a:blip r:embed="rId3">
+            <a:extLst>
+              <a:ext uri="{28A0092B-C50C-407E-A947-70E740481C1C}">
+                <a14:useLocalDpi xmlns:a14="http://schemas.microsoft.com/office/drawing/2010/main" val="0"/>
+              </a:ext>
+            </a:extLst>
+          </a:blip>
+          <a:srcRect/>
+          <a:stretch>
+            <a:fillRect/>
+          </a:stretch>
+        </p:blipFill>
+        <p:spPr bwMode="auto">
+          <a:xfrm>
+            <a:off x="819150" y="4399914"/>
+            <a:ext cx="7391400" cy="3228975"/>
+          </a:xfrm>
+          <a:prstGeom prst="rect">
+            <a:avLst/>
+          </a:prstGeom>
+          <a:noFill/>
+          <a:extLst>
+            <a:ext uri="{909E8E84-426E-40DD-AFC4-6F175D3DCCD1}">
+              <a14:hiddenFill xmlns:a14="http://schemas.microsoft.com/office/drawing/2010/main">
+                <a:solidFill>
+                  <a:srgbClr val="FFFFFF"/>
+                </a:solidFill>
+              </a14:hiddenFill>
+            </a:ext>
+          </a:extLst>
+        </p:spPr>
+      </p:pic>
+      <p:pic>
+        <p:nvPicPr>
+          <p:cNvPr id="1030" name="Picture 6">
+            <a:extLst>
+              <a:ext uri="{FF2B5EF4-FFF2-40B4-BE49-F238E27FC236}">
+                <a16:creationId xmlns:a16="http://schemas.microsoft.com/office/drawing/2014/main" id="{EE73F58B-C7FD-52E4-45C5-F1DCE185E1F9}"/>
+              </a:ext>
+            </a:extLst>
+          </p:cNvPr>
+          <p:cNvPicPr>
+            <a:picLocks noChangeAspect="1" noChangeArrowheads="1"/>
+          </p:cNvPicPr>
+          <p:nvPr/>
+        </p:nvPicPr>
+        <p:blipFill>
+          <a:blip r:embed="rId4">
+            <a:extLst>
+              <a:ext uri="{28A0092B-C50C-407E-A947-70E740481C1C}">
+                <a14:useLocalDpi xmlns:a14="http://schemas.microsoft.com/office/drawing/2010/main" val="0"/>
+              </a:ext>
+            </a:extLst>
+          </a:blip>
+          <a:srcRect/>
+          <a:stretch>
+            <a:fillRect/>
+          </a:stretch>
+        </p:blipFill>
+        <p:spPr bwMode="auto">
+          <a:xfrm>
+            <a:off x="10171938" y="2967069"/>
+            <a:ext cx="7362825" cy="5486400"/>
+          </a:xfrm>
+          <a:prstGeom prst="rect">
+            <a:avLst/>
+          </a:prstGeom>
+          <a:noFill/>
+          <a:extLst>
+            <a:ext uri="{909E8E84-426E-40DD-AFC4-6F175D3DCCD1}">
+              <a14:hiddenFill xmlns:a14="http://schemas.microsoft.com/office/drawing/2010/main">
+                <a:solidFill>
+                  <a:srgbClr val="FFFFFF"/>
+                </a:solidFill>
+              </a14:hiddenFill>
+            </a:ext>
+          </a:extLst>
+        </p:spPr>
+      </p:pic>
+      <p:pic>
+        <p:nvPicPr>
+          <p:cNvPr id="1032" name="Picture 8">
+            <a:extLst>
+              <a:ext uri="{FF2B5EF4-FFF2-40B4-BE49-F238E27FC236}">
+                <a16:creationId xmlns:a16="http://schemas.microsoft.com/office/drawing/2014/main" id="{3BEA0FF2-C269-0DB5-629B-889785C84E49}"/>
+              </a:ext>
+            </a:extLst>
+          </p:cNvPr>
+          <p:cNvPicPr>
+            <a:picLocks noChangeAspect="1" noChangeArrowheads="1"/>
+          </p:cNvPicPr>
+          <p:nvPr/>
+        </p:nvPicPr>
+        <p:blipFill>
+          <a:blip r:embed="rId5">
+            <a:extLst>
+              <a:ext uri="{28A0092B-C50C-407E-A947-70E740481C1C}">
+                <a14:useLocalDpi xmlns:a14="http://schemas.microsoft.com/office/drawing/2010/main" val="0"/>
+              </a:ext>
+            </a:extLst>
+          </a:blip>
+          <a:srcRect/>
+          <a:stretch>
+            <a:fillRect/>
+          </a:stretch>
+        </p:blipFill>
+        <p:spPr bwMode="auto">
+          <a:xfrm>
+            <a:off x="10171938" y="8453469"/>
+            <a:ext cx="7305675" cy="1657350"/>
+          </a:xfrm>
+          <a:prstGeom prst="rect">
+            <a:avLst/>
+          </a:prstGeom>
+          <a:noFill/>
+          <a:extLst>
+            <a:ext uri="{909E8E84-426E-40DD-AFC4-6F175D3DCCD1}">
+              <a14:hiddenFill xmlns:a14="http://schemas.microsoft.com/office/drawing/2010/main">
+                <a:solidFill>
+                  <a:srgbClr val="FFFFFF"/>
+                </a:solidFill>
+              </a14:hiddenFill>
+            </a:ext>
+          </a:extLst>
         </p:spPr>
       </p:pic>
     </p:spTree>
@@ -4355,6 +5101,126 @@
   <p:clrMapOvr>
     <a:masterClrMapping/>
   </p:clrMapOvr>
+  <p:timing>
+    <p:tnLst>
+      <p:par>
+        <p:cTn id="1" dur="indefinite" restart="never" nodeType="tmRoot">
+          <p:childTnLst>
+            <p:seq concurrent="1" nextAc="seek">
+              <p:cTn id="2" dur="indefinite" nodeType="mainSeq">
+                <p:childTnLst>
+                  <p:par>
+                    <p:cTn id="3" fill="hold">
+                      <p:stCondLst>
+                        <p:cond delay="indefinite"/>
+                      </p:stCondLst>
+                      <p:childTnLst>
+                        <p:par>
+                          <p:cTn id="4" fill="hold">
+                            <p:stCondLst>
+                              <p:cond delay="0"/>
+                            </p:stCondLst>
+                            <p:childTnLst>
+                              <p:par>
+                                <p:cTn id="5" presetID="1" presetClass="entr" presetSubtype="0" fill="hold" nodeType="clickEffect">
+                                  <p:stCondLst>
+                                    <p:cond delay="0"/>
+                                  </p:stCondLst>
+                                  <p:childTnLst>
+                                    <p:set>
+                                      <p:cBhvr>
+                                        <p:cTn id="6" dur="1" fill="hold">
+                                          <p:stCondLst>
+                                            <p:cond delay="0"/>
+                                          </p:stCondLst>
+                                        </p:cTn>
+                                        <p:tgtEl>
+                                          <p:spTgt spid="1028"/>
+                                        </p:tgtEl>
+                                        <p:attrNameLst>
+                                          <p:attrName>style.visibility</p:attrName>
+                                        </p:attrNameLst>
+                                      </p:cBhvr>
+                                      <p:to>
+                                        <p:strVal val="visible"/>
+                                      </p:to>
+                                    </p:set>
+                                  </p:childTnLst>
+                                </p:cTn>
+                              </p:par>
+                            </p:childTnLst>
+                          </p:cTn>
+                        </p:par>
+                      </p:childTnLst>
+                    </p:cTn>
+                  </p:par>
+                  <p:par>
+                    <p:cTn id="7" fill="hold">
+                      <p:stCondLst>
+                        <p:cond delay="indefinite"/>
+                      </p:stCondLst>
+                      <p:childTnLst>
+                        <p:par>
+                          <p:cTn id="8" fill="hold">
+                            <p:stCondLst>
+                              <p:cond delay="0"/>
+                            </p:stCondLst>
+                            <p:childTnLst>
+                              <p:par>
+                                <p:cTn id="9" presetID="1" presetClass="entr" presetSubtype="0" fill="hold" nodeType="clickEffect">
+                                  <p:stCondLst>
+                                    <p:cond delay="0"/>
+                                  </p:stCondLst>
+                                  <p:childTnLst>
+                                    <p:set>
+                                      <p:cBhvr>
+                                        <p:cTn id="10" dur="1" fill="hold">
+                                          <p:stCondLst>
+                                            <p:cond delay="0"/>
+                                          </p:stCondLst>
+                                        </p:cTn>
+                                        <p:tgtEl>
+                                          <p:spTgt spid="1032"/>
+                                        </p:tgtEl>
+                                        <p:attrNameLst>
+                                          <p:attrName>style.visibility</p:attrName>
+                                        </p:attrNameLst>
+                                      </p:cBhvr>
+                                      <p:to>
+                                        <p:strVal val="visible"/>
+                                      </p:to>
+                                    </p:set>
+                                  </p:childTnLst>
+                                </p:cTn>
+                              </p:par>
+                            </p:childTnLst>
+                          </p:cTn>
+                        </p:par>
+                      </p:childTnLst>
+                    </p:cTn>
+                  </p:par>
+                </p:childTnLst>
+              </p:cTn>
+              <p:prevCondLst>
+                <p:cond evt="onPrev" delay="0">
+                  <p:tgtEl>
+                    <p:sldTgt/>
+                  </p:tgtEl>
+                </p:cond>
+              </p:prevCondLst>
+              <p:nextCondLst>
+                <p:cond evt="onNext" delay="0">
+                  <p:tgtEl>
+                    <p:sldTgt/>
+                  </p:tgtEl>
+                </p:cond>
+              </p:nextCondLst>
+            </p:seq>
+          </p:childTnLst>
+        </p:cTn>
+      </p:par>
+    </p:tnLst>
+  </p:timing>
 </p:sld>
 </file>
 
@@ -4425,7 +5291,7 @@
               </a:lnSpc>
             </a:pPr>
             <a:r>
-              <a:rPr lang="en-US" sz="5199" b="1">
+              <a:rPr lang="nl-NL" sz="5199" b="1" noProof="0" dirty="0">
                 <a:solidFill>
                   <a:srgbClr val="FFFFFF"/>
                 </a:solidFill>
@@ -4434,7 +5300,31 @@
                 <a:cs typeface="Canva Sans Bold"/>
                 <a:sym typeface="Canva Sans Bold"/>
               </a:rPr>
-              <a:t>Welke design properties zijn hier relevant?</a:t>
+              <a:t>Welke design </a:t>
+            </a:r>
+            <a:r>
+              <a:rPr lang="nl-NL" sz="5199" b="1" noProof="0" dirty="0" err="1">
+                <a:solidFill>
+                  <a:srgbClr val="FFFFFF"/>
+                </a:solidFill>
+                <a:latin typeface="Canva Sans Bold"/>
+                <a:ea typeface="Canva Sans Bold"/>
+                <a:cs typeface="Canva Sans Bold"/>
+                <a:sym typeface="Canva Sans Bold"/>
+              </a:rPr>
+              <a:t>properties</a:t>
+            </a:r>
+            <a:r>
+              <a:rPr lang="nl-NL" sz="5199" b="1" noProof="0" dirty="0">
+                <a:solidFill>
+                  <a:srgbClr val="FFFFFF"/>
+                </a:solidFill>
+                <a:latin typeface="Canva Sans Bold"/>
+                <a:ea typeface="Canva Sans Bold"/>
+                <a:cs typeface="Canva Sans Bold"/>
+                <a:sym typeface="Canva Sans Bold"/>
+              </a:rPr>
+              <a:t> zijn hier relevant?</a:t>
             </a:r>
           </a:p>
         </p:txBody>
@@ -4448,7 +5338,7 @@
         <p:spPr>
           <a:xfrm>
             <a:off x="1992589" y="2914446"/>
-            <a:ext cx="14302823" cy="2980690"/>
+            <a:ext cx="14302823" cy="4883068"/>
           </a:xfrm>
           <a:prstGeom prst="rect">
             <a:avLst/>
@@ -4468,7 +5358,7 @@
               <a:buChar char="•"/>
             </a:pPr>
             <a:r>
-              <a:rPr lang="en-US" sz="3399" b="1">
+              <a:rPr lang="nl-NL" sz="3399" b="1" noProof="0" dirty="0" err="1">
                 <a:solidFill>
                   <a:srgbClr val="FFFFFF"/>
                 </a:solidFill>
@@ -4477,10 +5367,22 @@
                 <a:cs typeface="Canva Sans Bold"/>
                 <a:sym typeface="Canva Sans Bold"/>
               </a:rPr>
-              <a:t>Encapsulation:</a:t>
-            </a:r>
-            <a:r>
-              <a:rPr lang="en-US" sz="3399">
+              <a:t>Encapsulation</a:t>
+            </a:r>
+            <a:r>
+              <a:rPr lang="nl-NL" sz="3399" b="1" noProof="0" dirty="0">
+                <a:solidFill>
+                  <a:srgbClr val="FFFFFF"/>
+                </a:solidFill>
+                <a:latin typeface="Canva Sans Bold"/>
+                <a:ea typeface="Canva Sans Bold"/>
+                <a:cs typeface="Canva Sans Bold"/>
+                <a:sym typeface="Canva Sans Bold"/>
+              </a:rPr>
+              <a:t>:</a:t>
+            </a:r>
+            <a:r>
+              <a:rPr lang="nl-NL" sz="3399" noProof="0" dirty="0">
                 <a:solidFill>
                   <a:srgbClr val="FFFFFF"/>
                 </a:solidFill>
@@ -4489,7 +5391,7 @@
                 <a:cs typeface="Canva Sans"/>
                 <a:sym typeface="Canva Sans"/>
               </a:rPr>
-              <a:t> Code is beter georganiseerd en afgeschermd</a:t>
+              <a:t> Code is beter georganiseerd en afgeschermd en makkelijker te onderhouden.</a:t>
             </a:r>
           </a:p>
           <a:p>
@@ -4501,7 +5403,7 @@
               <a:buChar char="•"/>
             </a:pPr>
             <a:r>
-              <a:rPr lang="en-US" sz="3399" b="1">
+              <a:rPr lang="nl-NL" sz="3399" b="1" noProof="0" dirty="0" err="1">
                 <a:solidFill>
                   <a:srgbClr val="FFFFFF"/>
                 </a:solidFill>
@@ -4510,10 +5412,22 @@
                 <a:cs typeface="Canva Sans Bold"/>
                 <a:sym typeface="Canva Sans Bold"/>
               </a:rPr>
-              <a:t>Abstraction:</a:t>
-            </a:r>
-            <a:r>
-              <a:rPr lang="en-US" sz="3399">
+              <a:t>Abstraction</a:t>
+            </a:r>
+            <a:r>
+              <a:rPr lang="nl-NL" sz="3399" b="1" noProof="0" dirty="0">
+                <a:solidFill>
+                  <a:srgbClr val="FFFFFF"/>
+                </a:solidFill>
+                <a:latin typeface="Canva Sans Bold"/>
+                <a:ea typeface="Canva Sans Bold"/>
+                <a:cs typeface="Canva Sans Bold"/>
+                <a:sym typeface="Canva Sans Bold"/>
+              </a:rPr>
+              <a:t>:</a:t>
+            </a:r>
+            <a:r>
+              <a:rPr lang="nl-NL" sz="3399" noProof="0" dirty="0">
                 <a:solidFill>
                   <a:srgbClr val="FFFFFF"/>
                 </a:solidFill>
@@ -4522,7 +5436,7 @@
                 <a:cs typeface="Canva Sans"/>
                 <a:sym typeface="Canva Sans"/>
               </a:rPr>
-              <a:t> Definiëren algemene interfaces in plaats van specifieke implementaties</a:t>
+              <a:t> Definiëren algemene interfaces in plaats van specifieke implementaties on zorgt voor herbruikbaarheid voor abstracte methodes.</a:t>
             </a:r>
           </a:p>
           <a:p>
@@ -4534,7 +5448,7 @@
               <a:buChar char="•"/>
             </a:pPr>
             <a:r>
-              <a:rPr lang="en-US" sz="3399" b="1">
+              <a:rPr lang="nl-NL" sz="3399" b="1" noProof="0" dirty="0" err="1">
                 <a:solidFill>
                   <a:srgbClr val="FFFFFF"/>
                 </a:solidFill>
@@ -4543,10 +5457,22 @@
                 <a:cs typeface="Canva Sans Bold"/>
                 <a:sym typeface="Canva Sans Bold"/>
               </a:rPr>
-              <a:t>Modularity:</a:t>
-            </a:r>
-            <a:r>
-              <a:rPr lang="en-US" sz="3399">
+              <a:t>Modularity</a:t>
+            </a:r>
+            <a:r>
+              <a:rPr lang="nl-NL" sz="3399" b="1" noProof="0" dirty="0">
+                <a:solidFill>
+                  <a:srgbClr val="FFFFFF"/>
+                </a:solidFill>
+                <a:latin typeface="Canva Sans Bold"/>
+                <a:ea typeface="Canva Sans Bold"/>
+                <a:cs typeface="Canva Sans Bold"/>
+                <a:sym typeface="Canva Sans Bold"/>
+              </a:rPr>
+              <a:t>:</a:t>
+            </a:r>
+            <a:r>
+              <a:rPr lang="nl-NL" sz="3399" noProof="0" dirty="0">
                 <a:solidFill>
                   <a:srgbClr val="FFFFFF"/>
                 </a:solidFill>
@@ -4555,8 +5481,26 @@
                 <a:cs typeface="Canva Sans"/>
                 <a:sym typeface="Canva Sans"/>
               </a:rPr>
-              <a:t> Nieuwe functionaliteiten kunnen los van de bestaande code worden toegevoegd</a:t>
-            </a:r>
+              <a:t> Nieuwe functionaliteiten kunnen los van de bestaande code worden toegevoegd.</a:t>
+            </a:r>
+          </a:p>
+          <a:p>
+            <a:pPr marL="734059" lvl="1" indent="-367030" algn="l">
+              <a:lnSpc>
+                <a:spcPts val="4759"/>
+              </a:lnSpc>
+              <a:buFont typeface="Arial"/>
+              <a:buChar char="•"/>
+            </a:pPr>
+            <a:endParaRPr lang="nl-NL" sz="3399" noProof="0" dirty="0">
+              <a:solidFill>
+                <a:srgbClr val="FFFFFF"/>
+              </a:solidFill>
+              <a:latin typeface="Canva Sans"/>
+              <a:ea typeface="Canva Sans"/>
+              <a:cs typeface="Canva Sans"/>
+              <a:sym typeface="Canva Sans"/>
+            </a:endParaRPr>
           </a:p>
         </p:txBody>
       </p:sp>
@@ -4635,7 +5579,7 @@
               </a:lnSpc>
             </a:pPr>
             <a:r>
-              <a:rPr lang="en-US" sz="9200" b="1" dirty="0" err="1">
+              <a:rPr lang="nl-NL" sz="9200" b="1" noProof="0" dirty="0">
                 <a:solidFill>
                   <a:srgbClr val="FFFFFF"/>
                 </a:solidFill>
@@ -4644,19 +5588,7 @@
                 <a:cs typeface="Canva Sans Bold"/>
                 <a:sym typeface="Canva Sans Bold"/>
               </a:rPr>
-              <a:t>Vragen</a:t>
-            </a:r>
-            <a:r>
-              <a:rPr lang="en-US" sz="9200" b="1" dirty="0">
-                <a:solidFill>
-                  <a:srgbClr val="FFFFFF"/>
-                </a:solidFill>
-                <a:latin typeface="Canva Sans Bold"/>
-                <a:ea typeface="Canva Sans Bold"/>
-                <a:cs typeface="Canva Sans Bold"/>
-                <a:sym typeface="Canva Sans Bold"/>
-              </a:rPr>
-              <a:t>?</a:t>
+              <a:t>Vragen?</a:t>
             </a:r>
           </a:p>
         </p:txBody>
